--- a/01 Classes/Aula 09 Programação Python - Lambda Ponteiro e Referência.pptx
+++ b/01 Classes/Aula 09 Programação Python - Lambda Ponteiro e Referência.pptx
@@ -1380,7 +1380,7 @@
           <a:p>
             <a:fld id="{48A87A34-81AB-432B-8DAE-1953F412C126}" type="datetimeFigureOut">
               <a:rPr lang="en-US" smtClean="0"/>
-              <a:t>5/13/2022</a:t>
+              <a:t>5/14/2022</a:t>
             </a:fld>
             <a:endParaRPr lang="en-US" dirty="0"/>
           </a:p>
@@ -1591,7 +1591,7 @@
           <a:p>
             <a:fld id="{48A87A34-81AB-432B-8DAE-1953F412C126}" type="datetimeFigureOut">
               <a:rPr lang="en-US" smtClean="0"/>
-              <a:t>5/13/2022</a:t>
+              <a:t>5/14/2022</a:t>
             </a:fld>
             <a:endParaRPr lang="en-US" dirty="0"/>
           </a:p>
@@ -1806,7 +1806,7 @@
           <a:p>
             <a:fld id="{48A87A34-81AB-432B-8DAE-1953F412C126}" type="datetimeFigureOut">
               <a:rPr lang="en-US" smtClean="0"/>
-              <a:t>5/13/2022</a:t>
+              <a:t>5/14/2022</a:t>
             </a:fld>
             <a:endParaRPr lang="en-US" dirty="0"/>
           </a:p>
@@ -2174,7 +2174,7 @@
           <a:p>
             <a:fld id="{48A87A34-81AB-432B-8DAE-1953F412C126}" type="datetimeFigureOut">
               <a:rPr lang="en-US" smtClean="0"/>
-              <a:t>5/13/2022</a:t>
+              <a:t>5/14/2022</a:t>
             </a:fld>
             <a:endParaRPr lang="en-US" dirty="0"/>
           </a:p>
@@ -2453,7 +2453,7 @@
           <a:p>
             <a:fld id="{48A87A34-81AB-432B-8DAE-1953F412C126}" type="datetimeFigureOut">
               <a:rPr lang="en-US" smtClean="0"/>
-              <a:t>5/13/2022</a:t>
+              <a:t>5/14/2022</a:t>
             </a:fld>
             <a:endParaRPr lang="en-US" dirty="0"/>
           </a:p>
@@ -2721,7 +2721,7 @@
           <a:p>
             <a:fld id="{48A87A34-81AB-432B-8DAE-1953F412C126}" type="datetimeFigureOut">
               <a:rPr lang="en-US" smtClean="0"/>
-              <a:t>5/13/2022</a:t>
+              <a:t>5/14/2022</a:t>
             </a:fld>
             <a:endParaRPr lang="en-US" dirty="0"/>
           </a:p>
@@ -3137,7 +3137,7 @@
           <a:p>
             <a:fld id="{48A87A34-81AB-432B-8DAE-1953F412C126}" type="datetimeFigureOut">
               <a:rPr lang="en-US" smtClean="0"/>
-              <a:t>5/13/2022</a:t>
+              <a:t>5/14/2022</a:t>
             </a:fld>
             <a:endParaRPr lang="en-US" dirty="0"/>
           </a:p>
@@ -3286,7 +3286,7 @@
           <a:p>
             <a:fld id="{48A87A34-81AB-432B-8DAE-1953F412C126}" type="datetimeFigureOut">
               <a:rPr lang="en-US" smtClean="0"/>
-              <a:t>5/13/2022</a:t>
+              <a:t>5/14/2022</a:t>
             </a:fld>
             <a:endParaRPr lang="en-US" dirty="0"/>
           </a:p>
@@ -3412,7 +3412,7 @@
           <a:p>
             <a:fld id="{48A87A34-81AB-432B-8DAE-1953F412C126}" type="datetimeFigureOut">
               <a:rPr lang="en-US" smtClean="0"/>
-              <a:t>5/13/2022</a:t>
+              <a:t>5/14/2022</a:t>
             </a:fld>
             <a:endParaRPr lang="en-US" dirty="0"/>
           </a:p>
@@ -3663,7 +3663,7 @@
           <a:p>
             <a:fld id="{48A87A34-81AB-432B-8DAE-1953F412C126}" type="datetimeFigureOut">
               <a:rPr lang="en-US" smtClean="0"/>
-              <a:t>5/13/2022</a:t>
+              <a:t>5/14/2022</a:t>
             </a:fld>
             <a:endParaRPr lang="en-US" dirty="0"/>
           </a:p>
@@ -4109,7 +4109,7 @@
             <a:fld id="{48A87A34-81AB-432B-8DAE-1953F412C126}" type="datetimeFigureOut">
               <a:rPr lang="en-US" smtClean="0"/>
               <a:pPr/>
-              <a:t>5/13/2022</a:t>
+              <a:t>5/14/2022</a:t>
             </a:fld>
             <a:endParaRPr lang="en-US" dirty="0"/>
           </a:p>
@@ -4437,7 +4437,7 @@
             <a:fld id="{48A87A34-81AB-432B-8DAE-1953F412C126}" type="datetimeFigureOut">
               <a:rPr lang="en-US" smtClean="0"/>
               <a:pPr/>
-              <a:t>5/13/2022</a:t>
+              <a:t>5/14/2022</a:t>
             </a:fld>
             <a:endParaRPr lang="en-US" dirty="0"/>
           </a:p>
@@ -8796,7 +8796,7 @@
                 <a:latin typeface="Times New Roman" panose="02020603050405020304" pitchFamily="18" charset="0"/>
                 <a:cs typeface="Times New Roman" panose="02020603050405020304" pitchFamily="18" charset="0"/>
               </a:rPr>
-              <a:t> a : a + 10;</a:t>
+              <a:t> a, b : a + 10 * b;</a:t>
             </a:r>
           </a:p>
           <a:p>
@@ -8821,8 +8821,25 @@
                 <a:latin typeface="Times New Roman" panose="02020603050405020304" pitchFamily="18" charset="0"/>
                 <a:cs typeface="Times New Roman" panose="02020603050405020304" pitchFamily="18" charset="0"/>
               </a:rPr>
-              <a:t>(x(5));</a:t>
-            </a:r>
+              <a:t>(</a:t>
+            </a:r>
+            <a:r>
+              <a:rPr lang="pt-BR" sz="3200">
+                <a:solidFill>
+                  <a:schemeClr val="tx1"/>
+                </a:solidFill>
+                <a:latin typeface="Times New Roman" panose="02020603050405020304" pitchFamily="18" charset="0"/>
+                <a:cs typeface="Times New Roman" panose="02020603050405020304" pitchFamily="18" charset="0"/>
+              </a:rPr>
+              <a:t>x(3, 2));</a:t>
+            </a:r>
+            <a:endParaRPr lang="pt-BR" sz="3200" dirty="0">
+              <a:solidFill>
+                <a:schemeClr val="tx1"/>
+              </a:solidFill>
+              <a:latin typeface="Times New Roman" panose="02020603050405020304" pitchFamily="18" charset="0"/>
+              <a:cs typeface="Times New Roman" panose="02020603050405020304" pitchFamily="18" charset="0"/>
+            </a:endParaRPr>
           </a:p>
         </p:txBody>
       </p:sp>

--- a/01 Classes/Aula 09 Programação Python - Lambda Ponteiro e Referência.pptx
+++ b/01 Classes/Aula 09 Programação Python - Lambda Ponteiro e Referência.pptx
@@ -1380,7 +1380,7 @@
           <a:p>
             <a:fld id="{48A87A34-81AB-432B-8DAE-1953F412C126}" type="datetimeFigureOut">
               <a:rPr lang="en-US" smtClean="0"/>
-              <a:t>5/14/2022</a:t>
+              <a:t>9/6/2023</a:t>
             </a:fld>
             <a:endParaRPr lang="en-US" dirty="0"/>
           </a:p>
@@ -1591,7 +1591,7 @@
           <a:p>
             <a:fld id="{48A87A34-81AB-432B-8DAE-1953F412C126}" type="datetimeFigureOut">
               <a:rPr lang="en-US" smtClean="0"/>
-              <a:t>5/14/2022</a:t>
+              <a:t>9/6/2023</a:t>
             </a:fld>
             <a:endParaRPr lang="en-US" dirty="0"/>
           </a:p>
@@ -1806,7 +1806,7 @@
           <a:p>
             <a:fld id="{48A87A34-81AB-432B-8DAE-1953F412C126}" type="datetimeFigureOut">
               <a:rPr lang="en-US" smtClean="0"/>
-              <a:t>5/14/2022</a:t>
+              <a:t>9/6/2023</a:t>
             </a:fld>
             <a:endParaRPr lang="en-US" dirty="0"/>
           </a:p>
@@ -2174,7 +2174,7 @@
           <a:p>
             <a:fld id="{48A87A34-81AB-432B-8DAE-1953F412C126}" type="datetimeFigureOut">
               <a:rPr lang="en-US" smtClean="0"/>
-              <a:t>5/14/2022</a:t>
+              <a:t>9/6/2023</a:t>
             </a:fld>
             <a:endParaRPr lang="en-US" dirty="0"/>
           </a:p>
@@ -2453,7 +2453,7 @@
           <a:p>
             <a:fld id="{48A87A34-81AB-432B-8DAE-1953F412C126}" type="datetimeFigureOut">
               <a:rPr lang="en-US" smtClean="0"/>
-              <a:t>5/14/2022</a:t>
+              <a:t>9/6/2023</a:t>
             </a:fld>
             <a:endParaRPr lang="en-US" dirty="0"/>
           </a:p>
@@ -2721,7 +2721,7 @@
           <a:p>
             <a:fld id="{48A87A34-81AB-432B-8DAE-1953F412C126}" type="datetimeFigureOut">
               <a:rPr lang="en-US" smtClean="0"/>
-              <a:t>5/14/2022</a:t>
+              <a:t>9/6/2023</a:t>
             </a:fld>
             <a:endParaRPr lang="en-US" dirty="0"/>
           </a:p>
@@ -3137,7 +3137,7 @@
           <a:p>
             <a:fld id="{48A87A34-81AB-432B-8DAE-1953F412C126}" type="datetimeFigureOut">
               <a:rPr lang="en-US" smtClean="0"/>
-              <a:t>5/14/2022</a:t>
+              <a:t>9/6/2023</a:t>
             </a:fld>
             <a:endParaRPr lang="en-US" dirty="0"/>
           </a:p>
@@ -3286,7 +3286,7 @@
           <a:p>
             <a:fld id="{48A87A34-81AB-432B-8DAE-1953F412C126}" type="datetimeFigureOut">
               <a:rPr lang="en-US" smtClean="0"/>
-              <a:t>5/14/2022</a:t>
+              <a:t>9/6/2023</a:t>
             </a:fld>
             <a:endParaRPr lang="en-US" dirty="0"/>
           </a:p>
@@ -3412,7 +3412,7 @@
           <a:p>
             <a:fld id="{48A87A34-81AB-432B-8DAE-1953F412C126}" type="datetimeFigureOut">
               <a:rPr lang="en-US" smtClean="0"/>
-              <a:t>5/14/2022</a:t>
+              <a:t>9/6/2023</a:t>
             </a:fld>
             <a:endParaRPr lang="en-US" dirty="0"/>
           </a:p>
@@ -3663,7 +3663,7 @@
           <a:p>
             <a:fld id="{48A87A34-81AB-432B-8DAE-1953F412C126}" type="datetimeFigureOut">
               <a:rPr lang="en-US" smtClean="0"/>
-              <a:t>5/14/2022</a:t>
+              <a:t>9/6/2023</a:t>
             </a:fld>
             <a:endParaRPr lang="en-US" dirty="0"/>
           </a:p>
@@ -4109,7 +4109,7 @@
             <a:fld id="{48A87A34-81AB-432B-8DAE-1953F412C126}" type="datetimeFigureOut">
               <a:rPr lang="en-US" smtClean="0"/>
               <a:pPr/>
-              <a:t>5/14/2022</a:t>
+              <a:t>9/6/2023</a:t>
             </a:fld>
             <a:endParaRPr lang="en-US" dirty="0"/>
           </a:p>
@@ -4437,7 +4437,7 @@
             <a:fld id="{48A87A34-81AB-432B-8DAE-1953F412C126}" type="datetimeFigureOut">
               <a:rPr lang="en-US" smtClean="0"/>
               <a:pPr/>
-              <a:t>5/14/2022</a:t>
+              <a:t>9/6/2023</a:t>
             </a:fld>
             <a:endParaRPr lang="en-US" dirty="0"/>
           </a:p>
@@ -6009,7 +6009,7 @@
                 <a:latin typeface="Times New Roman" panose="02020603050405020304" pitchFamily="18" charset="0"/>
                 <a:cs typeface="Times New Roman" panose="02020603050405020304" pitchFamily="18" charset="0"/>
               </a:rPr>
-              <a:t> = 35; </a:t>
+              <a:t> = 35 </a:t>
             </a:r>
             <a:r>
               <a:rPr lang="pt-BR" sz="2000" b="1" dirty="0">
@@ -6074,7 +6074,7 @@
                 <a:latin typeface="Times New Roman" panose="02020603050405020304" pitchFamily="18" charset="0"/>
                 <a:cs typeface="Times New Roman" panose="02020603050405020304" pitchFamily="18" charset="0"/>
               </a:rPr>
-              <a:t>); </a:t>
+              <a:t>) </a:t>
             </a:r>
             <a:r>
               <a:rPr lang="pt-BR" sz="2000" b="1" dirty="0">
@@ -6247,6 +6247,28 @@
               </a:rPr>
               <a:t>value</a:t>
             </a:r>
+            <a:endParaRPr lang="pt-BR" sz="2000" dirty="0">
+              <a:solidFill>
+                <a:schemeClr val="tx1"/>
+              </a:solidFill>
+              <a:latin typeface="Times New Roman" panose="02020603050405020304" pitchFamily="18" charset="0"/>
+              <a:cs typeface="Times New Roman" panose="02020603050405020304" pitchFamily="18" charset="0"/>
+            </a:endParaRPr>
+          </a:p>
+          <a:p>
+            <a:pPr marL="0" indent="0" algn="just">
+              <a:buNone/>
+            </a:pPr>
+            <a:r>
+              <a:rPr lang="pt-BR" sz="2000" b="1" dirty="0">
+                <a:solidFill>
+                  <a:schemeClr val="tx1"/>
+                </a:solidFill>
+                <a:latin typeface="Times New Roman" panose="02020603050405020304" pitchFamily="18" charset="0"/>
+                <a:cs typeface="Times New Roman" panose="02020603050405020304" pitchFamily="18" charset="0"/>
+              </a:rPr>
+              <a:t>print</a:t>
+            </a:r>
             <a:r>
               <a:rPr lang="pt-BR" sz="2000" dirty="0">
                 <a:solidFill>
@@ -6255,22 +6277,17 @@
                 <a:latin typeface="Times New Roman" panose="02020603050405020304" pitchFamily="18" charset="0"/>
                 <a:cs typeface="Times New Roman" panose="02020603050405020304" pitchFamily="18" charset="0"/>
               </a:rPr>
-              <a:t>;</a:t>
-            </a:r>
-          </a:p>
-          <a:p>
-            <a:pPr marL="0" indent="0" algn="just">
-              <a:buNone/>
-            </a:pPr>
-            <a:r>
-              <a:rPr lang="pt-BR" sz="2000" b="1" dirty="0">
+              <a:t>(</a:t>
+            </a:r>
+            <a:r>
+              <a:rPr lang="pt-BR" sz="2000" dirty="0" err="1">
                 <a:solidFill>
                   <a:schemeClr val="tx1"/>
                 </a:solidFill>
                 <a:latin typeface="Times New Roman" panose="02020603050405020304" pitchFamily="18" charset="0"/>
                 <a:cs typeface="Times New Roman" panose="02020603050405020304" pitchFamily="18" charset="0"/>
               </a:rPr>
-              <a:t>print</a:t>
+              <a:t>val</a:t>
             </a:r>
             <a:r>
               <a:rPr lang="pt-BR" sz="2000" dirty="0">
@@ -6280,27 +6297,7 @@
                 <a:latin typeface="Times New Roman" panose="02020603050405020304" pitchFamily="18" charset="0"/>
                 <a:cs typeface="Times New Roman" panose="02020603050405020304" pitchFamily="18" charset="0"/>
               </a:rPr>
-              <a:t>(</a:t>
-            </a:r>
-            <a:r>
-              <a:rPr lang="pt-BR" sz="2000" dirty="0" err="1">
-                <a:solidFill>
-                  <a:schemeClr val="tx1"/>
-                </a:solidFill>
-                <a:latin typeface="Times New Roman" panose="02020603050405020304" pitchFamily="18" charset="0"/>
-                <a:cs typeface="Times New Roman" panose="02020603050405020304" pitchFamily="18" charset="0"/>
-              </a:rPr>
-              <a:t>val</a:t>
-            </a:r>
-            <a:r>
-              <a:rPr lang="pt-BR" sz="2000" dirty="0">
-                <a:solidFill>
-                  <a:schemeClr val="tx1"/>
-                </a:solidFill>
-                <a:latin typeface="Times New Roman" panose="02020603050405020304" pitchFamily="18" charset="0"/>
-                <a:cs typeface="Times New Roman" panose="02020603050405020304" pitchFamily="18" charset="0"/>
-              </a:rPr>
-              <a:t>); </a:t>
+              <a:t>) </a:t>
             </a:r>
             <a:r>
               <a:rPr lang="pt-BR" sz="2000" b="1" dirty="0">
@@ -6352,7 +6349,7 @@
                 <a:latin typeface="Times New Roman" panose="02020603050405020304" pitchFamily="18" charset="0"/>
                 <a:cs typeface="Times New Roman" panose="02020603050405020304" pitchFamily="18" charset="0"/>
               </a:rPr>
-              <a:t>(x); </a:t>
+              <a:t>(x) </a:t>
             </a:r>
             <a:r>
               <a:rPr lang="pt-BR" sz="2000" b="1" dirty="0">
@@ -6424,7 +6421,7 @@
                 <a:latin typeface="Times New Roman" panose="02020603050405020304" pitchFamily="18" charset="0"/>
                 <a:cs typeface="Times New Roman" panose="02020603050405020304" pitchFamily="18" charset="0"/>
               </a:rPr>
-              <a:t>(y); </a:t>
+              <a:t>(y) </a:t>
             </a:r>
             <a:r>
               <a:rPr lang="pt-BR" sz="2000" b="1" dirty="0">
@@ -8462,7 +8459,7 @@
                 <a:latin typeface="Times New Roman" panose="02020603050405020304" pitchFamily="18" charset="0"/>
                 <a:cs typeface="Times New Roman" panose="02020603050405020304" pitchFamily="18" charset="0"/>
               </a:rPr>
-              <a:t> a : a + 10;</a:t>
+              <a:t> a : a + 10</a:t>
             </a:r>
           </a:p>
           <a:p>
@@ -8487,7 +8484,7 @@
                 <a:latin typeface="Times New Roman" panose="02020603050405020304" pitchFamily="18" charset="0"/>
                 <a:cs typeface="Times New Roman" panose="02020603050405020304" pitchFamily="18" charset="0"/>
               </a:rPr>
-              <a:t>(x(5));</a:t>
+              <a:t>(x(5))</a:t>
             </a:r>
           </a:p>
         </p:txBody>
@@ -8629,7 +8626,7 @@
                 <a:latin typeface="Times New Roman" panose="02020603050405020304" pitchFamily="18" charset="0"/>
                 <a:cs typeface="Times New Roman" panose="02020603050405020304" pitchFamily="18" charset="0"/>
               </a:rPr>
-              <a:t> a, b, c : a + b + c;</a:t>
+              <a:t> a, b, c : a + b + c</a:t>
             </a:r>
           </a:p>
           <a:p>
@@ -8654,7 +8651,7 @@
                 <a:latin typeface="Times New Roman" panose="02020603050405020304" pitchFamily="18" charset="0"/>
                 <a:cs typeface="Times New Roman" panose="02020603050405020304" pitchFamily="18" charset="0"/>
               </a:rPr>
-              <a:t>(x(5, 6, 2));</a:t>
+              <a:t>(x(5, 6, 2))</a:t>
             </a:r>
           </a:p>
         </p:txBody>
@@ -8796,7 +8793,7 @@
                 <a:latin typeface="Times New Roman" panose="02020603050405020304" pitchFamily="18" charset="0"/>
                 <a:cs typeface="Times New Roman" panose="02020603050405020304" pitchFamily="18" charset="0"/>
               </a:rPr>
-              <a:t> a, b : a + 10 * b;</a:t>
+              <a:t> a, b : a + 10 * b</a:t>
             </a:r>
           </a:p>
           <a:p>
@@ -8821,25 +8818,8 @@
                 <a:latin typeface="Times New Roman" panose="02020603050405020304" pitchFamily="18" charset="0"/>
                 <a:cs typeface="Times New Roman" panose="02020603050405020304" pitchFamily="18" charset="0"/>
               </a:rPr>
-              <a:t>(</a:t>
-            </a:r>
-            <a:r>
-              <a:rPr lang="pt-BR" sz="3200">
-                <a:solidFill>
-                  <a:schemeClr val="tx1"/>
-                </a:solidFill>
-                <a:latin typeface="Times New Roman" panose="02020603050405020304" pitchFamily="18" charset="0"/>
-                <a:cs typeface="Times New Roman" panose="02020603050405020304" pitchFamily="18" charset="0"/>
-              </a:rPr>
-              <a:t>x(3, 2));</a:t>
-            </a:r>
-            <a:endParaRPr lang="pt-BR" sz="3200" dirty="0">
-              <a:solidFill>
-                <a:schemeClr val="tx1"/>
-              </a:solidFill>
-              <a:latin typeface="Times New Roman" panose="02020603050405020304" pitchFamily="18" charset="0"/>
-              <a:cs typeface="Times New Roman" panose="02020603050405020304" pitchFamily="18" charset="0"/>
-            </a:endParaRPr>
+              <a:t>(x(3, 2))</a:t>
+            </a:r>
           </a:p>
         </p:txBody>
       </p:sp>
@@ -9080,7 +9060,7 @@
                 <a:latin typeface="Times New Roman" panose="02020603050405020304" pitchFamily="18" charset="0"/>
                 <a:cs typeface="Times New Roman" panose="02020603050405020304" pitchFamily="18" charset="0"/>
               </a:rPr>
-              <a:t>(2);</a:t>
+              <a:t>(2)</a:t>
             </a:r>
           </a:p>
           <a:p>
@@ -9105,7 +9085,7 @@
                 <a:latin typeface="Times New Roman" panose="02020603050405020304" pitchFamily="18" charset="0"/>
                 <a:cs typeface="Times New Roman" panose="02020603050405020304" pitchFamily="18" charset="0"/>
               </a:rPr>
-              <a:t>(dobro(11));</a:t>
+              <a:t>(dobro(11))</a:t>
             </a:r>
             <a:endParaRPr lang="pt-BR" sz="3200" dirty="0">
               <a:solidFill>

--- a/01 Classes/Aula 09 Programação Python - Lambda Ponteiro e Referência.pptx
+++ b/01 Classes/Aula 09 Programação Python - Lambda Ponteiro e Referência.pptx
@@ -1380,7 +1380,7 @@
           <a:p>
             <a:fld id="{48A87A34-81AB-432B-8DAE-1953F412C126}" type="datetimeFigureOut">
               <a:rPr lang="en-US" smtClean="0"/>
-              <a:t>9/6/2023</a:t>
+              <a:t>9/9/2025</a:t>
             </a:fld>
             <a:endParaRPr lang="en-US" dirty="0"/>
           </a:p>
@@ -1591,7 +1591,7 @@
           <a:p>
             <a:fld id="{48A87A34-81AB-432B-8DAE-1953F412C126}" type="datetimeFigureOut">
               <a:rPr lang="en-US" smtClean="0"/>
-              <a:t>9/6/2023</a:t>
+              <a:t>9/9/2025</a:t>
             </a:fld>
             <a:endParaRPr lang="en-US" dirty="0"/>
           </a:p>
@@ -1806,7 +1806,7 @@
           <a:p>
             <a:fld id="{48A87A34-81AB-432B-8DAE-1953F412C126}" type="datetimeFigureOut">
               <a:rPr lang="en-US" smtClean="0"/>
-              <a:t>9/6/2023</a:t>
+              <a:t>9/9/2025</a:t>
             </a:fld>
             <a:endParaRPr lang="en-US" dirty="0"/>
           </a:p>
@@ -2174,7 +2174,7 @@
           <a:p>
             <a:fld id="{48A87A34-81AB-432B-8DAE-1953F412C126}" type="datetimeFigureOut">
               <a:rPr lang="en-US" smtClean="0"/>
-              <a:t>9/6/2023</a:t>
+              <a:t>9/9/2025</a:t>
             </a:fld>
             <a:endParaRPr lang="en-US" dirty="0"/>
           </a:p>
@@ -2453,7 +2453,7 @@
           <a:p>
             <a:fld id="{48A87A34-81AB-432B-8DAE-1953F412C126}" type="datetimeFigureOut">
               <a:rPr lang="en-US" smtClean="0"/>
-              <a:t>9/6/2023</a:t>
+              <a:t>9/9/2025</a:t>
             </a:fld>
             <a:endParaRPr lang="en-US" dirty="0"/>
           </a:p>
@@ -2721,7 +2721,7 @@
           <a:p>
             <a:fld id="{48A87A34-81AB-432B-8DAE-1953F412C126}" type="datetimeFigureOut">
               <a:rPr lang="en-US" smtClean="0"/>
-              <a:t>9/6/2023</a:t>
+              <a:t>9/9/2025</a:t>
             </a:fld>
             <a:endParaRPr lang="en-US" dirty="0"/>
           </a:p>
@@ -3137,7 +3137,7 @@
           <a:p>
             <a:fld id="{48A87A34-81AB-432B-8DAE-1953F412C126}" type="datetimeFigureOut">
               <a:rPr lang="en-US" smtClean="0"/>
-              <a:t>9/6/2023</a:t>
+              <a:t>9/9/2025</a:t>
             </a:fld>
             <a:endParaRPr lang="en-US" dirty="0"/>
           </a:p>
@@ -3286,7 +3286,7 @@
           <a:p>
             <a:fld id="{48A87A34-81AB-432B-8DAE-1953F412C126}" type="datetimeFigureOut">
               <a:rPr lang="en-US" smtClean="0"/>
-              <a:t>9/6/2023</a:t>
+              <a:t>9/9/2025</a:t>
             </a:fld>
             <a:endParaRPr lang="en-US" dirty="0"/>
           </a:p>
@@ -3412,7 +3412,7 @@
           <a:p>
             <a:fld id="{48A87A34-81AB-432B-8DAE-1953F412C126}" type="datetimeFigureOut">
               <a:rPr lang="en-US" smtClean="0"/>
-              <a:t>9/6/2023</a:t>
+              <a:t>9/9/2025</a:t>
             </a:fld>
             <a:endParaRPr lang="en-US" dirty="0"/>
           </a:p>
@@ -3663,7 +3663,7 @@
           <a:p>
             <a:fld id="{48A87A34-81AB-432B-8DAE-1953F412C126}" type="datetimeFigureOut">
               <a:rPr lang="en-US" smtClean="0"/>
-              <a:t>9/6/2023</a:t>
+              <a:t>9/9/2025</a:t>
             </a:fld>
             <a:endParaRPr lang="en-US" dirty="0"/>
           </a:p>
@@ -4109,7 +4109,7 @@
             <a:fld id="{48A87A34-81AB-432B-8DAE-1953F412C126}" type="datetimeFigureOut">
               <a:rPr lang="en-US" smtClean="0"/>
               <a:pPr/>
-              <a:t>9/6/2023</a:t>
+              <a:t>9/9/2025</a:t>
             </a:fld>
             <a:endParaRPr lang="en-US" dirty="0"/>
           </a:p>
@@ -4276,6 +4276,13 @@
             <a:schemeClr val="lt1"/>
           </a:fontRef>
         </p:style>
+        <p:txBody>
+          <a:bodyPr/>
+          <a:lstStyle/>
+          <a:p>
+            <a:endParaRPr lang="pt-BR"/>
+          </a:p>
+        </p:txBody>
       </p:sp>
       <p:pic>
         <p:nvPicPr>
@@ -4437,7 +4444,7 @@
             <a:fld id="{48A87A34-81AB-432B-8DAE-1953F412C126}" type="datetimeFigureOut">
               <a:rPr lang="en-US" smtClean="0"/>
               <a:pPr/>
-              <a:t>9/6/2023</a:t>
+              <a:t>9/9/2025</a:t>
             </a:fld>
             <a:endParaRPr lang="en-US" dirty="0"/>
           </a:p>
@@ -6084,7 +6091,31 @@
                 <a:latin typeface="Times New Roman" panose="02020603050405020304" pitchFamily="18" charset="0"/>
                 <a:cs typeface="Times New Roman" panose="02020603050405020304" pitchFamily="18" charset="0"/>
               </a:rPr>
-              <a:t># Recupera a identidade de "Valor“</a:t>
+              <a:t># Recupera a identidade de </a:t>
+            </a:r>
+            <a:r>
+              <a:rPr lang="en-US" sz="2000" dirty="0">
+                <a:latin typeface="Times New Roman" panose="02020603050405020304" pitchFamily="18" charset="0"/>
+                <a:cs typeface="Times New Roman" panose="02020603050405020304" pitchFamily="18" charset="0"/>
+              </a:rPr>
+              <a:t>'</a:t>
+            </a:r>
+            <a:r>
+              <a:rPr lang="pt-BR" sz="2000" b="1" dirty="0">
+                <a:solidFill>
+                  <a:schemeClr val="tx1"/>
+                </a:solidFill>
+                <a:latin typeface="Times New Roman" panose="02020603050405020304" pitchFamily="18" charset="0"/>
+                <a:cs typeface="Times New Roman" panose="02020603050405020304" pitchFamily="18" charset="0"/>
+              </a:rPr>
+              <a:t>Valor</a:t>
+            </a:r>
+            <a:r>
+              <a:rPr lang="en-US" sz="2000" dirty="0">
+                <a:latin typeface="Times New Roman" panose="02020603050405020304" pitchFamily="18" charset="0"/>
+                <a:cs typeface="Times New Roman" panose="02020603050405020304" pitchFamily="18" charset="0"/>
+              </a:rPr>
+              <a:t>'</a:t>
             </a:r>
             <a:r>
               <a:rPr lang="pt-BR" sz="2000" dirty="0">
@@ -6126,7 +6157,35 @@
                 <a:latin typeface="Times New Roman" panose="02020603050405020304" pitchFamily="18" charset="0"/>
                 <a:cs typeface="Times New Roman" panose="02020603050405020304" pitchFamily="18" charset="0"/>
               </a:rPr>
-              <a:t># A partir da identidade de "Valor“ eh </a:t>
+              <a:t># A partir da identidade de </a:t>
+            </a:r>
+            <a:r>
+              <a:rPr lang="en-US" sz="2000" dirty="0">
+                <a:latin typeface="Times New Roman" panose="02020603050405020304" pitchFamily="18" charset="0"/>
+                <a:cs typeface="Times New Roman" panose="02020603050405020304" pitchFamily="18" charset="0"/>
+              </a:rPr>
+              <a:t>'</a:t>
+            </a:r>
+            <a:r>
+              <a:rPr lang="pt-BR" sz="2000" b="1" dirty="0">
+                <a:latin typeface="Times New Roman" panose="02020603050405020304" pitchFamily="18" charset="0"/>
+                <a:cs typeface="Times New Roman" panose="02020603050405020304" pitchFamily="18" charset="0"/>
+              </a:rPr>
+              <a:t>Valor</a:t>
+            </a:r>
+            <a:r>
+              <a:rPr lang="en-US" sz="2000" dirty="0">
+                <a:latin typeface="Times New Roman" panose="02020603050405020304" pitchFamily="18" charset="0"/>
+                <a:cs typeface="Times New Roman" panose="02020603050405020304" pitchFamily="18" charset="0"/>
+              </a:rPr>
+              <a:t>'</a:t>
+            </a:r>
+            <a:r>
+              <a:rPr lang="pt-BR" sz="2000" b="1" dirty="0">
+                <a:latin typeface="Times New Roman" panose="02020603050405020304" pitchFamily="18" charset="0"/>
+                <a:cs typeface="Times New Roman" panose="02020603050405020304" pitchFamily="18" charset="0"/>
+              </a:rPr>
+              <a:t> eh </a:t>
             </a:r>
             <a:r>
               <a:rPr lang="pt-BR" sz="2000" b="1" dirty="0" err="1">
@@ -6814,6 +6873,24 @@
             <a:pPr marL="0" indent="0" algn="just">
               <a:buNone/>
             </a:pPr>
+            <a:endParaRPr lang="pt-BR" sz="2000" dirty="0">
+              <a:latin typeface="Times New Roman" panose="02020603050405020304" pitchFamily="18" charset="0"/>
+              <a:cs typeface="Times New Roman" panose="02020603050405020304" pitchFamily="18" charset="0"/>
+            </a:endParaRPr>
+          </a:p>
+          <a:p>
+            <a:pPr marL="0" indent="0" algn="just">
+              <a:buNone/>
+            </a:pPr>
+            <a:endParaRPr lang="pt-BR" sz="2000" dirty="0">
+              <a:latin typeface="Times New Roman" panose="02020603050405020304" pitchFamily="18" charset="0"/>
+              <a:cs typeface="Times New Roman" panose="02020603050405020304" pitchFamily="18" charset="0"/>
+            </a:endParaRPr>
+          </a:p>
+          <a:p>
+            <a:pPr marL="0" indent="0" algn="just">
+              <a:buNone/>
+            </a:pPr>
             <a:r>
               <a:rPr lang="pt-BR" sz="2000" dirty="0">
                 <a:latin typeface="Times New Roman" panose="02020603050405020304" pitchFamily="18" charset="0"/>
@@ -6960,7 +7037,7 @@
               <a:buChar char="-"/>
             </a:pPr>
             <a:r>
-              <a:rPr lang="pt-BR" dirty="0">
+              <a:rPr lang="pt-BR" sz="2400" dirty="0">
                 <a:latin typeface="Times New Roman" panose="02020603050405020304" pitchFamily="18" charset="0"/>
                 <a:cs typeface="Times New Roman" panose="02020603050405020304" pitchFamily="18" charset="0"/>
               </a:rPr>
@@ -6968,11 +7045,31 @@
             </a:r>
           </a:p>
           <a:p>
+            <a:pPr algn="just">
+              <a:buFontTx/>
+              <a:buChar char="-"/>
+            </a:pPr>
+            <a:endParaRPr lang="pt-BR" sz="2400" dirty="0">
+              <a:latin typeface="Times New Roman" panose="02020603050405020304" pitchFamily="18" charset="0"/>
+              <a:cs typeface="Times New Roman" panose="02020603050405020304" pitchFamily="18" charset="0"/>
+            </a:endParaRPr>
+          </a:p>
+          <a:p>
+            <a:pPr algn="just">
+              <a:buFontTx/>
+              <a:buChar char="-"/>
+            </a:pPr>
+            <a:endParaRPr lang="pt-BR" sz="2400" dirty="0">
+              <a:latin typeface="Times New Roman" panose="02020603050405020304" pitchFamily="18" charset="0"/>
+              <a:cs typeface="Times New Roman" panose="02020603050405020304" pitchFamily="18" charset="0"/>
+            </a:endParaRPr>
+          </a:p>
+          <a:p>
             <a:pPr marL="0" indent="0" algn="just">
               <a:buNone/>
             </a:pPr>
             <a:r>
-              <a:rPr lang="pt-BR" dirty="0">
+              <a:rPr lang="pt-BR" sz="2400" dirty="0">
                 <a:latin typeface="Times New Roman" panose="02020603050405020304" pitchFamily="18" charset="0"/>
                 <a:cs typeface="Times New Roman" panose="02020603050405020304" pitchFamily="18" charset="0"/>
               </a:rPr>
@@ -8163,7 +8260,7 @@
               <a:buNone/>
             </a:pPr>
             <a:r>
-              <a:rPr lang="pt-BR" sz="3200" dirty="0">
+              <a:rPr lang="pt-BR" dirty="0">
                 <a:solidFill>
                   <a:schemeClr val="tx1"/>
                 </a:solidFill>
@@ -8173,7 +8270,7 @@
               <a:t>Uma </a:t>
             </a:r>
             <a:r>
-              <a:rPr lang="pt-BR" sz="3200" b="1" dirty="0">
+              <a:rPr lang="pt-BR" b="1" dirty="0">
                 <a:solidFill>
                   <a:schemeClr val="tx1"/>
                 </a:solidFill>
@@ -8183,7 +8280,7 @@
               <a:t>função</a:t>
             </a:r>
             <a:r>
-              <a:rPr lang="pt-BR" sz="3200" dirty="0">
+              <a:rPr lang="pt-BR" dirty="0">
                 <a:solidFill>
                   <a:schemeClr val="tx1"/>
                 </a:solidFill>
@@ -8193,7 +8290,7 @@
               <a:t> </a:t>
             </a:r>
             <a:r>
-              <a:rPr lang="pt-BR" sz="3200" b="1" dirty="0">
+              <a:rPr lang="pt-BR" b="1" dirty="0">
                 <a:solidFill>
                   <a:schemeClr val="tx1"/>
                 </a:solidFill>
@@ -8203,7 +8300,7 @@
               <a:t>lambda</a:t>
             </a:r>
             <a:r>
-              <a:rPr lang="pt-BR" sz="3200" dirty="0">
+              <a:rPr lang="pt-BR" dirty="0">
                 <a:solidFill>
                   <a:schemeClr val="tx1"/>
                 </a:solidFill>
@@ -8218,7 +8315,7 @@
               <a:buNone/>
             </a:pPr>
             <a:r>
-              <a:rPr lang="pt-BR" sz="3200" dirty="0">
+              <a:rPr lang="pt-BR" dirty="0">
                 <a:solidFill>
                   <a:schemeClr val="tx1"/>
                 </a:solidFill>
@@ -8228,7 +8325,7 @@
               <a:t>		</a:t>
             </a:r>
             <a:r>
-              <a:rPr lang="pt-BR" sz="3200" b="1" dirty="0">
+              <a:rPr lang="pt-BR" b="1" dirty="0">
                 <a:solidFill>
                   <a:srgbClr val="FF0000"/>
                 </a:solidFill>
@@ -8238,7 +8335,7 @@
               <a:t>lambda</a:t>
             </a:r>
             <a:r>
-              <a:rPr lang="pt-BR" sz="3200" dirty="0">
+              <a:rPr lang="pt-BR" dirty="0">
                 <a:solidFill>
                   <a:schemeClr val="tx1"/>
                 </a:solidFill>
@@ -8248,7 +8345,7 @@
               <a:t> </a:t>
             </a:r>
             <a:r>
-              <a:rPr lang="pt-BR" sz="3200" b="1" dirty="0" err="1">
+              <a:rPr lang="pt-BR" b="1" dirty="0" err="1">
                 <a:solidFill>
                   <a:schemeClr val="tx1"/>
                 </a:solidFill>
@@ -8258,26 +8355,41 @@
               <a:t>arguments</a:t>
             </a:r>
             <a:r>
-              <a:rPr lang="pt-BR" sz="3200" dirty="0">
+              <a:rPr lang="pt-BR" dirty="0">
                 <a:solidFill>
                   <a:schemeClr val="tx1"/>
                 </a:solidFill>
                 <a:latin typeface="Times New Roman" panose="02020603050405020304" pitchFamily="18" charset="0"/>
                 <a:cs typeface="Times New Roman" panose="02020603050405020304" pitchFamily="18" charset="0"/>
               </a:rPr>
-              <a:t> : </a:t>
-            </a:r>
-            <a:r>
-              <a:rPr lang="pt-BR" sz="3200" b="1" dirty="0" err="1">
+              <a:t> </a:t>
+            </a:r>
+            <a:r>
+              <a:rPr lang="pt-BR">
+                <a:solidFill>
+                  <a:schemeClr val="tx1"/>
+                </a:solidFill>
+                <a:latin typeface="Times New Roman" panose="02020603050405020304" pitchFamily="18" charset="0"/>
+                <a:cs typeface="Times New Roman" panose="02020603050405020304" pitchFamily="18" charset="0"/>
+              </a:rPr>
+              <a:t>: </a:t>
+            </a:r>
+            <a:r>
+              <a:rPr lang="pt-BR" b="1">
                 <a:solidFill>
                   <a:srgbClr val="0070C0"/>
                 </a:solidFill>
                 <a:latin typeface="Times New Roman" panose="02020603050405020304" pitchFamily="18" charset="0"/>
                 <a:cs typeface="Times New Roman" panose="02020603050405020304" pitchFamily="18" charset="0"/>
               </a:rPr>
-              <a:t>expression</a:t>
-            </a:r>
-            <a:endParaRPr lang="pt-BR" sz="3200" b="1" dirty="0">
+              <a:t>expression.</a:t>
+            </a:r>
+          </a:p>
+          <a:p>
+            <a:pPr marL="0" indent="0" algn="just">
+              <a:buNone/>
+            </a:pPr>
+            <a:endParaRPr lang="pt-BR" b="1" dirty="0">
               <a:solidFill>
                 <a:srgbClr val="0070C0"/>
               </a:solidFill>
@@ -8290,7 +8402,7 @@
               <a:buNone/>
             </a:pPr>
             <a:r>
-              <a:rPr lang="pt-BR" sz="3200" dirty="0">
+              <a:rPr lang="pt-BR" dirty="0">
                 <a:solidFill>
                   <a:schemeClr val="tx1"/>
                 </a:solidFill>
@@ -8300,7 +8412,7 @@
               <a:t>Uma </a:t>
             </a:r>
             <a:r>
-              <a:rPr lang="pt-BR" sz="3200" b="1" dirty="0">
+              <a:rPr lang="pt-BR" b="1" dirty="0">
                 <a:solidFill>
                   <a:schemeClr val="tx1"/>
                 </a:solidFill>
@@ -8310,7 +8422,7 @@
               <a:t>função lambda</a:t>
             </a:r>
             <a:r>
-              <a:rPr lang="pt-BR" sz="3200" dirty="0">
+              <a:rPr lang="pt-BR" dirty="0">
                 <a:solidFill>
                   <a:schemeClr val="tx1"/>
                 </a:solidFill>
